--- a/Команда CADAI.pptx
+++ b/Команда CADAI.pptx
@@ -5,13 +5,17 @@
     <p:sldMasterId id="2147483660" r:id="rId1"/>
   </p:sldMasterIdLst>
   <p:notesMasterIdLst>
-    <p:notesMasterId r:id="rId6"/>
+    <p:notesMasterId r:id="rId10"/>
   </p:notesMasterIdLst>
   <p:sldIdLst>
     <p:sldId id="365" r:id="rId2"/>
     <p:sldId id="366" r:id="rId3"/>
     <p:sldId id="362" r:id="rId4"/>
     <p:sldId id="364" r:id="rId5"/>
+    <p:sldId id="266" r:id="rId6"/>
+    <p:sldId id="367" r:id="rId7"/>
+    <p:sldId id="368" r:id="rId8"/>
+    <p:sldId id="369" r:id="rId9"/>
   </p:sldIdLst>
   <p:sldSz cx="12192000" cy="6858000"/>
   <p:notesSz cx="6858000" cy="9144000"/>
@@ -14409,10 +14413,9 @@
           </a:p>
           <a:p>
             <a:r>
-              <a:rPr lang="ru-RU"/>
+              <a:rPr lang="ru-RU" dirty="0"/>
               <a:t>+79115882113</a:t>
             </a:r>
-            <a:endParaRPr lang="ru-RU" dirty="0"/>
           </a:p>
         </p:txBody>
       </p:sp>
@@ -14508,6 +14511,18 @@
           <a:bodyPr/>
           <a:lstStyle/>
           <a:p>
+            <a:r>
+              <a:rPr lang="ru-RU" dirty="0"/>
+              <a:t>КОМАНДА «</a:t>
+            </a:r>
+            <a:r>
+              <a:rPr lang="en-US" dirty="0"/>
+              <a:t>CADAI</a:t>
+            </a:r>
+            <a:r>
+              <a:rPr lang="ru-RU" dirty="0"/>
+              <a:t>»</a:t>
+            </a:r>
             <a:endParaRPr lang="ru-RU" dirty="0">
               <a:latin typeface="+mn-lt"/>
             </a:endParaRPr>
@@ -15866,6 +15881,1332 @@
     <p:extLst>
       <p:ext uri="{BB962C8B-B14F-4D97-AF65-F5344CB8AC3E}">
         <p14:creationId xmlns:p14="http://schemas.microsoft.com/office/powerpoint/2010/main" val="2035511140"/>
+      </p:ext>
+    </p:extLst>
+  </p:cSld>
+  <p:clrMapOvr>
+    <a:masterClrMapping/>
+  </p:clrMapOvr>
+</p:sld>
+</file>
+
+<file path=ppt/slides/slide5.xml><?xml version="1.0" encoding="utf-8"?>
+<p:sld xmlns:a="http://schemas.openxmlformats.org/drawingml/2006/main" xmlns:r="http://schemas.openxmlformats.org/officeDocument/2006/relationships" xmlns:p="http://schemas.openxmlformats.org/presentationml/2006/main">
+  <p:cSld>
+    <p:spTree>
+      <p:nvGrpSpPr>
+        <p:cNvPr id="1" name=""/>
+        <p:cNvGrpSpPr/>
+        <p:nvPr/>
+      </p:nvGrpSpPr>
+      <p:grpSpPr>
+        <a:xfrm>
+          <a:off x="0" y="0"/>
+          <a:ext cx="0" cy="0"/>
+          <a:chOff x="0" y="0"/>
+          <a:chExt cx="0" cy="0"/>
+        </a:xfrm>
+      </p:grpSpPr>
+      <p:sp>
+        <p:nvSpPr>
+          <p:cNvPr id="11" name="Номер слайда 10">
+            <a:extLst>
+              <a:ext uri="{FF2B5EF4-FFF2-40B4-BE49-F238E27FC236}">
+                <a16:creationId xmlns:a16="http://schemas.microsoft.com/office/drawing/2014/main" id="{2D779828-50AA-424E-9D75-E4AA39DF206B}"/>
+              </a:ext>
+            </a:extLst>
+          </p:cNvPr>
+          <p:cNvSpPr>
+            <a:spLocks noGrp="1"/>
+          </p:cNvSpPr>
+          <p:nvPr>
+            <p:ph type="sldNum" sz="quarter" idx="4"/>
+          </p:nvPr>
+        </p:nvSpPr>
+        <p:spPr/>
+        <p:txBody>
+          <a:bodyPr/>
+          <a:lstStyle/>
+          <a:p>
+            <a:fld id="{52DCC5B9-D646-4B76-891F-6FF4E74E9CB4}" type="slidenum">
+              <a:rPr lang="ru-RU" smtClean="0"/>
+              <a:pPr/>
+              <a:t>5</a:t>
+            </a:fld>
+            <a:endParaRPr lang="ru-RU" dirty="0"/>
+          </a:p>
+        </p:txBody>
+      </p:sp>
+      <p:sp>
+        <p:nvSpPr>
+          <p:cNvPr id="2" name="Заголовок 1">
+            <a:extLst>
+              <a:ext uri="{FF2B5EF4-FFF2-40B4-BE49-F238E27FC236}">
+                <a16:creationId xmlns:a16="http://schemas.microsoft.com/office/drawing/2014/main" id="{890CC5C3-71A4-4EDD-A431-AD56DBD6076E}"/>
+              </a:ext>
+            </a:extLst>
+          </p:cNvPr>
+          <p:cNvSpPr>
+            <a:spLocks noGrp="1"/>
+          </p:cNvSpPr>
+          <p:nvPr>
+            <p:ph type="title"/>
+          </p:nvPr>
+        </p:nvSpPr>
+        <p:spPr>
+          <a:xfrm>
+            <a:off x="346075" y="383375"/>
+            <a:ext cx="9862734" cy="376138"/>
+          </a:xfrm>
+        </p:spPr>
+        <p:txBody>
+          <a:bodyPr/>
+          <a:lstStyle/>
+          <a:p>
+            <a:r>
+              <a:rPr lang="ru-RU" dirty="0"/>
+              <a:t>КОМАНДА «</a:t>
+            </a:r>
+            <a:r>
+              <a:rPr lang="en-US" dirty="0"/>
+              <a:t>CADAI</a:t>
+            </a:r>
+            <a:r>
+              <a:rPr lang="ru-RU" dirty="0"/>
+              <a:t>»</a:t>
+            </a:r>
+            <a:endParaRPr lang="ru-RU" dirty="0">
+              <a:latin typeface="+mn-lt"/>
+            </a:endParaRPr>
+          </a:p>
+        </p:txBody>
+      </p:sp>
+      <p:sp>
+        <p:nvSpPr>
+          <p:cNvPr id="3" name="Текст 2">
+            <a:extLst>
+              <a:ext uri="{FF2B5EF4-FFF2-40B4-BE49-F238E27FC236}">
+                <a16:creationId xmlns:a16="http://schemas.microsoft.com/office/drawing/2014/main" id="{C80582B6-28AC-45F4-BD2D-467E652DBD37}"/>
+              </a:ext>
+            </a:extLst>
+          </p:cNvPr>
+          <p:cNvSpPr>
+            <a:spLocks noGrp="1"/>
+          </p:cNvSpPr>
+          <p:nvPr>
+            <p:ph type="body" sz="quarter" idx="21"/>
+          </p:nvPr>
+        </p:nvSpPr>
+        <p:spPr>
+          <a:xfrm>
+            <a:off x="6755267" y="1335379"/>
+            <a:ext cx="5217359" cy="1021701"/>
+          </a:xfrm>
+          <a:prstGeom prst="roundRect">
+            <a:avLst>
+              <a:gd name="adj" fmla="val 0"/>
+            </a:avLst>
+          </a:prstGeom>
+          <a:noFill/>
+        </p:spPr>
+        <p:txBody>
+          <a:bodyPr/>
+          <a:lstStyle/>
+          <a:p>
+            <a:pPr marL="0" indent="0">
+              <a:buNone/>
+            </a:pPr>
+            <a:r>
+              <a:rPr lang="ru-RU" b="0" dirty="0">
+                <a:solidFill>
+                  <a:schemeClr val="bg1"/>
+                </a:solidFill>
+              </a:rPr>
+              <a:t>ИНС для определения объекта на снимке</a:t>
+            </a:r>
+          </a:p>
+        </p:txBody>
+      </p:sp>
+      <p:sp>
+        <p:nvSpPr>
+          <p:cNvPr id="4" name="Текст 3">
+            <a:extLst>
+              <a:ext uri="{FF2B5EF4-FFF2-40B4-BE49-F238E27FC236}">
+                <a16:creationId xmlns:a16="http://schemas.microsoft.com/office/drawing/2014/main" id="{AF82DF7C-A3AD-43CF-A10D-0B36529054B5}"/>
+              </a:ext>
+            </a:extLst>
+          </p:cNvPr>
+          <p:cNvSpPr>
+            <a:spLocks noGrp="1"/>
+          </p:cNvSpPr>
+          <p:nvPr>
+            <p:ph type="body" sz="quarter" idx="18"/>
+          </p:nvPr>
+        </p:nvSpPr>
+        <p:spPr>
+          <a:xfrm>
+            <a:off x="6755267" y="1722800"/>
+            <a:ext cx="4790314" cy="642164"/>
+          </a:xfrm>
+        </p:spPr>
+        <p:txBody>
+          <a:bodyPr/>
+          <a:lstStyle/>
+          <a:p>
+            <a:r>
+              <a:rPr lang="ru-RU" dirty="0"/>
+              <a:t>Основа - </a:t>
+            </a:r>
+            <a:r>
+              <a:rPr lang="en-US" dirty="0" err="1"/>
+              <a:t>resnet</a:t>
+            </a:r>
+            <a:endParaRPr lang="ru-RU" dirty="0"/>
+          </a:p>
+        </p:txBody>
+      </p:sp>
+      <p:sp>
+        <p:nvSpPr>
+          <p:cNvPr id="5" name="Текст 4">
+            <a:extLst>
+              <a:ext uri="{FF2B5EF4-FFF2-40B4-BE49-F238E27FC236}">
+                <a16:creationId xmlns:a16="http://schemas.microsoft.com/office/drawing/2014/main" id="{7958F12B-018B-418A-A49D-1D36B842AE9F}"/>
+              </a:ext>
+            </a:extLst>
+          </p:cNvPr>
+          <p:cNvSpPr>
+            <a:spLocks noGrp="1"/>
+          </p:cNvSpPr>
+          <p:nvPr>
+            <p:ph type="body" sz="quarter" idx="22"/>
+          </p:nvPr>
+        </p:nvSpPr>
+        <p:spPr>
+          <a:xfrm>
+            <a:off x="6755267" y="2611824"/>
+            <a:ext cx="4790314" cy="1776026"/>
+          </a:xfrm>
+          <a:prstGeom prst="roundRect">
+            <a:avLst>
+              <a:gd name="adj" fmla="val 0"/>
+            </a:avLst>
+          </a:prstGeom>
+          <a:noFill/>
+        </p:spPr>
+        <p:txBody>
+          <a:bodyPr/>
+          <a:lstStyle/>
+          <a:p>
+            <a:pPr marL="0" indent="0">
+              <a:buNone/>
+            </a:pPr>
+            <a:r>
+              <a:rPr lang="ru-RU" b="0" dirty="0">
+                <a:solidFill>
+                  <a:schemeClr val="accent2"/>
+                </a:solidFill>
+              </a:rPr>
+              <a:t>Датасет для обучения</a:t>
+            </a:r>
+          </a:p>
+          <a:p>
+            <a:endParaRPr lang="ru-RU" b="0" dirty="0">
+              <a:solidFill>
+                <a:schemeClr val="accent2"/>
+              </a:solidFill>
+            </a:endParaRPr>
+          </a:p>
+          <a:p>
+            <a:pPr marL="0" indent="0">
+              <a:buNone/>
+            </a:pPr>
+            <a:endParaRPr lang="ru-RU" b="0" dirty="0">
+              <a:solidFill>
+                <a:schemeClr val="accent2"/>
+              </a:solidFill>
+            </a:endParaRPr>
+          </a:p>
+        </p:txBody>
+      </p:sp>
+      <p:sp>
+        <p:nvSpPr>
+          <p:cNvPr id="6" name="Текст 5">
+            <a:extLst>
+              <a:ext uri="{FF2B5EF4-FFF2-40B4-BE49-F238E27FC236}">
+                <a16:creationId xmlns:a16="http://schemas.microsoft.com/office/drawing/2014/main" id="{57CEBFD9-BA50-4FE2-AEDF-186C2F4D3DAC}"/>
+              </a:ext>
+            </a:extLst>
+          </p:cNvPr>
+          <p:cNvSpPr>
+            <a:spLocks noGrp="1"/>
+          </p:cNvSpPr>
+          <p:nvPr>
+            <p:ph type="body" sz="quarter" idx="23"/>
+          </p:nvPr>
+        </p:nvSpPr>
+        <p:spPr>
+          <a:xfrm>
+            <a:off x="6755267" y="2991360"/>
+            <a:ext cx="4790314" cy="1510790"/>
+          </a:xfrm>
+        </p:spPr>
+        <p:txBody>
+          <a:bodyPr>
+            <a:normAutofit fontScale="92500" lnSpcReduction="10000"/>
+          </a:bodyPr>
+          <a:lstStyle/>
+          <a:p>
+            <a:r>
+              <a:rPr lang="en-US" sz="1600" dirty="0"/>
+              <a:t>Abdomen and Pelvis CT Collection - </a:t>
+            </a:r>
+            <a:r>
+              <a:rPr lang="en-US" sz="1600" dirty="0" err="1"/>
+              <a:t>PhantomX</a:t>
+            </a:r>
+            <a:endParaRPr lang="en-US" sz="1600" dirty="0"/>
+          </a:p>
+          <a:p>
+            <a:r>
+              <a:rPr lang="en-US" sz="1600" dirty="0"/>
+              <a:t>Brain Stroke CT Dataset</a:t>
+            </a:r>
+            <a:endParaRPr lang="ru-RU" sz="1600" dirty="0"/>
+          </a:p>
+          <a:p>
+            <a:r>
+              <a:rPr lang="en-US" sz="1600" dirty="0"/>
+              <a:t>Bone Break Classification Image Dataset</a:t>
+            </a:r>
+            <a:endParaRPr lang="ru-RU" sz="1600" dirty="0"/>
+          </a:p>
+          <a:p>
+            <a:r>
+              <a:rPr lang="en-US" sz="1600" dirty="0"/>
+              <a:t>Chest X-Ray Images (Pneumonia)</a:t>
+            </a:r>
+            <a:endParaRPr lang="ru-RU" sz="1600" dirty="0"/>
+          </a:p>
+          <a:p>
+            <a:r>
+              <a:rPr lang="en-US" sz="1600" dirty="0" err="1"/>
+              <a:t>COVIDx</a:t>
+            </a:r>
+            <a:r>
+              <a:rPr lang="en-US" sz="1600" dirty="0"/>
+              <a:t> CT</a:t>
+            </a:r>
+          </a:p>
+          <a:p>
+            <a:endParaRPr lang="en-US" sz="1600" dirty="0"/>
+          </a:p>
+          <a:p>
+            <a:endParaRPr lang="en-US" sz="1600" dirty="0"/>
+          </a:p>
+          <a:p>
+            <a:endParaRPr lang="en-US" b="1" dirty="0"/>
+          </a:p>
+          <a:p>
+            <a:endParaRPr lang="ru-RU" dirty="0"/>
+          </a:p>
+        </p:txBody>
+      </p:sp>
+      <p:pic>
+        <p:nvPicPr>
+          <p:cNvPr id="8" name="Рисунок 7">
+            <a:extLst>
+              <a:ext uri="{FF2B5EF4-FFF2-40B4-BE49-F238E27FC236}">
+                <a16:creationId xmlns:a16="http://schemas.microsoft.com/office/drawing/2014/main" id="{BB209F3F-564B-674C-BDC2-98BD8FEA76A5}"/>
+              </a:ext>
+            </a:extLst>
+          </p:cNvPr>
+          <p:cNvPicPr>
+            <a:picLocks noChangeAspect="1"/>
+          </p:cNvPicPr>
+          <p:nvPr/>
+        </p:nvPicPr>
+        <p:blipFill>
+          <a:blip r:embed="rId2">
+            <a:extLst>
+              <a:ext uri="{28A0092B-C50C-407E-A947-70E740481C1C}">
+                <a14:useLocalDpi xmlns:a14="http://schemas.microsoft.com/office/drawing/2010/main" val="0"/>
+              </a:ext>
+            </a:extLst>
+          </a:blip>
+          <a:stretch>
+            <a:fillRect/>
+          </a:stretch>
+        </p:blipFill>
+        <p:spPr>
+          <a:xfrm>
+            <a:off x="646419" y="3704856"/>
+            <a:ext cx="3978707" cy="2834064"/>
+          </a:xfrm>
+          <a:prstGeom prst="rect">
+            <a:avLst/>
+          </a:prstGeom>
+        </p:spPr>
+      </p:pic>
+      <p:pic>
+        <p:nvPicPr>
+          <p:cNvPr id="10" name="Рисунок 9">
+            <a:extLst>
+              <a:ext uri="{FF2B5EF4-FFF2-40B4-BE49-F238E27FC236}">
+                <a16:creationId xmlns:a16="http://schemas.microsoft.com/office/drawing/2014/main" id="{8AB13072-45FF-1E21-C78C-D6AFE15249B6}"/>
+              </a:ext>
+            </a:extLst>
+          </p:cNvPr>
+          <p:cNvPicPr>
+            <a:picLocks noChangeAspect="1"/>
+          </p:cNvPicPr>
+          <p:nvPr/>
+        </p:nvPicPr>
+        <p:blipFill>
+          <a:blip r:embed="rId3">
+            <a:extLst>
+              <a:ext uri="{28A0092B-C50C-407E-A947-70E740481C1C}">
+                <a14:useLocalDpi xmlns:a14="http://schemas.microsoft.com/office/drawing/2010/main" val="0"/>
+              </a:ext>
+            </a:extLst>
+          </a:blip>
+          <a:stretch>
+            <a:fillRect/>
+          </a:stretch>
+        </p:blipFill>
+        <p:spPr>
+          <a:xfrm>
+            <a:off x="646419" y="819607"/>
+            <a:ext cx="3978707" cy="2768566"/>
+          </a:xfrm>
+          <a:prstGeom prst="rect">
+            <a:avLst/>
+          </a:prstGeom>
+        </p:spPr>
+      </p:pic>
+    </p:spTree>
+    <p:extLst>
+      <p:ext uri="{BB962C8B-B14F-4D97-AF65-F5344CB8AC3E}">
+        <p14:creationId xmlns:p14="http://schemas.microsoft.com/office/powerpoint/2010/main" val="1199786260"/>
+      </p:ext>
+    </p:extLst>
+  </p:cSld>
+  <p:clrMapOvr>
+    <a:masterClrMapping/>
+  </p:clrMapOvr>
+</p:sld>
+</file>
+
+<file path=ppt/slides/slide6.xml><?xml version="1.0" encoding="utf-8"?>
+<p:sld xmlns:a="http://schemas.openxmlformats.org/drawingml/2006/main" xmlns:r="http://schemas.openxmlformats.org/officeDocument/2006/relationships" xmlns:p="http://schemas.openxmlformats.org/presentationml/2006/main">
+  <p:cSld>
+    <p:spTree>
+      <p:nvGrpSpPr>
+        <p:cNvPr id="1" name="">
+          <a:extLst>
+            <a:ext uri="{FF2B5EF4-FFF2-40B4-BE49-F238E27FC236}">
+              <a16:creationId xmlns:a16="http://schemas.microsoft.com/office/drawing/2014/main" id="{2F7FE723-A5AD-5181-62A1-8A80D7211729}"/>
+            </a:ext>
+          </a:extLst>
+        </p:cNvPr>
+        <p:cNvGrpSpPr/>
+        <p:nvPr/>
+      </p:nvGrpSpPr>
+      <p:grpSpPr>
+        <a:xfrm>
+          <a:off x="0" y="0"/>
+          <a:ext cx="0" cy="0"/>
+          <a:chOff x="0" y="0"/>
+          <a:chExt cx="0" cy="0"/>
+        </a:xfrm>
+      </p:grpSpPr>
+      <p:sp>
+        <p:nvSpPr>
+          <p:cNvPr id="11" name="Номер слайда 10">
+            <a:extLst>
+              <a:ext uri="{FF2B5EF4-FFF2-40B4-BE49-F238E27FC236}">
+                <a16:creationId xmlns:a16="http://schemas.microsoft.com/office/drawing/2014/main" id="{524B3D6C-6615-565C-3B33-298FD380A4FF}"/>
+              </a:ext>
+            </a:extLst>
+          </p:cNvPr>
+          <p:cNvSpPr>
+            <a:spLocks noGrp="1"/>
+          </p:cNvSpPr>
+          <p:nvPr>
+            <p:ph type="sldNum" sz="quarter" idx="4"/>
+          </p:nvPr>
+        </p:nvSpPr>
+        <p:spPr/>
+        <p:txBody>
+          <a:bodyPr/>
+          <a:lstStyle/>
+          <a:p>
+            <a:fld id="{52DCC5B9-D646-4B76-891F-6FF4E74E9CB4}" type="slidenum">
+              <a:rPr lang="ru-RU" smtClean="0"/>
+              <a:pPr/>
+              <a:t>6</a:t>
+            </a:fld>
+            <a:endParaRPr lang="ru-RU" dirty="0"/>
+          </a:p>
+        </p:txBody>
+      </p:sp>
+      <p:sp>
+        <p:nvSpPr>
+          <p:cNvPr id="2" name="Заголовок 1">
+            <a:extLst>
+              <a:ext uri="{FF2B5EF4-FFF2-40B4-BE49-F238E27FC236}">
+                <a16:creationId xmlns:a16="http://schemas.microsoft.com/office/drawing/2014/main" id="{4B28FF51-CD69-3CAA-AB85-E3768B0E7F7F}"/>
+              </a:ext>
+            </a:extLst>
+          </p:cNvPr>
+          <p:cNvSpPr>
+            <a:spLocks noGrp="1"/>
+          </p:cNvSpPr>
+          <p:nvPr>
+            <p:ph type="title"/>
+          </p:nvPr>
+        </p:nvSpPr>
+        <p:spPr>
+          <a:xfrm>
+            <a:off x="346075" y="383375"/>
+            <a:ext cx="9862734" cy="376138"/>
+          </a:xfrm>
+        </p:spPr>
+        <p:txBody>
+          <a:bodyPr/>
+          <a:lstStyle/>
+          <a:p>
+            <a:r>
+              <a:rPr lang="ru-RU" dirty="0"/>
+              <a:t>КОМАНДА «</a:t>
+            </a:r>
+            <a:r>
+              <a:rPr lang="en-US" dirty="0"/>
+              <a:t>CADAI</a:t>
+            </a:r>
+            <a:r>
+              <a:rPr lang="ru-RU" dirty="0"/>
+              <a:t>»</a:t>
+            </a:r>
+            <a:endParaRPr lang="ru-RU" dirty="0">
+              <a:latin typeface="+mn-lt"/>
+            </a:endParaRPr>
+          </a:p>
+        </p:txBody>
+      </p:sp>
+      <p:sp>
+        <p:nvSpPr>
+          <p:cNvPr id="3" name="Текст 2">
+            <a:extLst>
+              <a:ext uri="{FF2B5EF4-FFF2-40B4-BE49-F238E27FC236}">
+                <a16:creationId xmlns:a16="http://schemas.microsoft.com/office/drawing/2014/main" id="{88DD7A10-5A6A-6480-B1F0-FE3FE24269D4}"/>
+              </a:ext>
+            </a:extLst>
+          </p:cNvPr>
+          <p:cNvSpPr>
+            <a:spLocks noGrp="1"/>
+          </p:cNvSpPr>
+          <p:nvPr>
+            <p:ph type="body" sz="quarter" idx="21"/>
+          </p:nvPr>
+        </p:nvSpPr>
+        <p:spPr>
+          <a:xfrm>
+            <a:off x="6755267" y="1343263"/>
+            <a:ext cx="4790314" cy="1021701"/>
+          </a:xfrm>
+          <a:prstGeom prst="roundRect">
+            <a:avLst>
+              <a:gd name="adj" fmla="val 0"/>
+            </a:avLst>
+          </a:prstGeom>
+          <a:noFill/>
+        </p:spPr>
+        <p:txBody>
+          <a:bodyPr/>
+          <a:lstStyle/>
+          <a:p>
+            <a:pPr marL="0" indent="0">
+              <a:buNone/>
+            </a:pPr>
+            <a:r>
+              <a:rPr lang="ru-RU" b="0" dirty="0">
+                <a:solidFill>
+                  <a:schemeClr val="bg1"/>
+                </a:solidFill>
+              </a:rPr>
+              <a:t>ИНС для определения наличия патологий</a:t>
+            </a:r>
+          </a:p>
+        </p:txBody>
+      </p:sp>
+      <p:sp>
+        <p:nvSpPr>
+          <p:cNvPr id="4" name="Текст 3">
+            <a:extLst>
+              <a:ext uri="{FF2B5EF4-FFF2-40B4-BE49-F238E27FC236}">
+                <a16:creationId xmlns:a16="http://schemas.microsoft.com/office/drawing/2014/main" id="{4B60951B-9A2D-C606-E48D-9857E7A746A7}"/>
+              </a:ext>
+            </a:extLst>
+          </p:cNvPr>
+          <p:cNvSpPr>
+            <a:spLocks noGrp="1"/>
+          </p:cNvSpPr>
+          <p:nvPr>
+            <p:ph type="body" sz="quarter" idx="18"/>
+          </p:nvPr>
+        </p:nvSpPr>
+        <p:spPr>
+          <a:xfrm>
+            <a:off x="6755267" y="1983580"/>
+            <a:ext cx="4790314" cy="642164"/>
+          </a:xfrm>
+        </p:spPr>
+        <p:txBody>
+          <a:bodyPr/>
+          <a:lstStyle/>
+          <a:p>
+            <a:r>
+              <a:rPr lang="ru-RU" dirty="0"/>
+              <a:t>Основа - </a:t>
+            </a:r>
+            <a:r>
+              <a:rPr lang="en-US" dirty="0"/>
+              <a:t>densenet121</a:t>
+            </a:r>
+          </a:p>
+        </p:txBody>
+      </p:sp>
+      <p:sp>
+        <p:nvSpPr>
+          <p:cNvPr id="5" name="Текст 4">
+            <a:extLst>
+              <a:ext uri="{FF2B5EF4-FFF2-40B4-BE49-F238E27FC236}">
+                <a16:creationId xmlns:a16="http://schemas.microsoft.com/office/drawing/2014/main" id="{E960ECC3-A743-EF37-3B22-F6F2FD8779DE}"/>
+              </a:ext>
+            </a:extLst>
+          </p:cNvPr>
+          <p:cNvSpPr>
+            <a:spLocks noGrp="1"/>
+          </p:cNvSpPr>
+          <p:nvPr>
+            <p:ph type="body" sz="quarter" idx="22"/>
+          </p:nvPr>
+        </p:nvSpPr>
+        <p:spPr>
+          <a:xfrm>
+            <a:off x="6755267" y="2437863"/>
+            <a:ext cx="4790314" cy="1021701"/>
+          </a:xfrm>
+          <a:prstGeom prst="roundRect">
+            <a:avLst>
+              <a:gd name="adj" fmla="val 0"/>
+            </a:avLst>
+          </a:prstGeom>
+          <a:noFill/>
+        </p:spPr>
+        <p:txBody>
+          <a:bodyPr/>
+          <a:lstStyle/>
+          <a:p>
+            <a:r>
+              <a:rPr lang="ru-RU" b="0" dirty="0">
+                <a:solidFill>
+                  <a:schemeClr val="accent2"/>
+                </a:solidFill>
+              </a:rPr>
+              <a:t>Датасет для обучения</a:t>
+            </a:r>
+          </a:p>
+          <a:p>
+            <a:endParaRPr lang="ru-RU" b="0" dirty="0">
+              <a:solidFill>
+                <a:schemeClr val="accent2"/>
+              </a:solidFill>
+            </a:endParaRPr>
+          </a:p>
+        </p:txBody>
+      </p:sp>
+      <p:sp>
+        <p:nvSpPr>
+          <p:cNvPr id="6" name="Текст 5">
+            <a:extLst>
+              <a:ext uri="{FF2B5EF4-FFF2-40B4-BE49-F238E27FC236}">
+                <a16:creationId xmlns:a16="http://schemas.microsoft.com/office/drawing/2014/main" id="{C79525A4-E72F-AEE2-9E26-F9B0A2B6E1EA}"/>
+              </a:ext>
+            </a:extLst>
+          </p:cNvPr>
+          <p:cNvSpPr>
+            <a:spLocks noGrp="1"/>
+          </p:cNvSpPr>
+          <p:nvPr>
+            <p:ph type="body" sz="quarter" idx="23"/>
+          </p:nvPr>
+        </p:nvSpPr>
+        <p:spPr>
+          <a:xfrm>
+            <a:off x="6755267" y="2817399"/>
+            <a:ext cx="4790314" cy="3904083"/>
+          </a:xfrm>
+        </p:spPr>
+        <p:txBody>
+          <a:bodyPr>
+            <a:normAutofit/>
+          </a:bodyPr>
+          <a:lstStyle/>
+          <a:p>
+            <a:r>
+              <a:rPr lang="ru-RU" dirty="0" err="1"/>
+              <a:t>Instruction</a:t>
+            </a:r>
+            <a:r>
+              <a:rPr lang="ru-RU" dirty="0"/>
+              <a:t> </a:t>
+            </a:r>
+            <a:r>
+              <a:rPr lang="ru-RU" dirty="0" err="1"/>
+              <a:t>on</a:t>
+            </a:r>
+            <a:r>
+              <a:rPr lang="ru-RU" dirty="0"/>
+              <a:t> </a:t>
+            </a:r>
+            <a:r>
+              <a:rPr lang="ru-RU" dirty="0" err="1"/>
+              <a:t>access</a:t>
+            </a:r>
+            <a:r>
+              <a:rPr lang="ru-RU" dirty="0"/>
+              <a:t> </a:t>
+            </a:r>
+            <a:r>
+              <a:rPr lang="ru-RU" dirty="0" err="1"/>
+              <a:t>to</a:t>
+            </a:r>
+            <a:r>
+              <a:rPr lang="ru-RU" dirty="0"/>
+              <a:t> </a:t>
+            </a:r>
+            <a:r>
+              <a:rPr lang="ru-RU" dirty="0" err="1"/>
+              <a:t>MosMedData</a:t>
+            </a:r>
+            <a:r>
+              <a:rPr lang="ru-RU" dirty="0"/>
+              <a:t> КТ грудной полости с наличием и отсутствием признаков перелома ребер тип III</a:t>
+            </a:r>
+          </a:p>
+          <a:p>
+            <a:r>
+              <a:rPr lang="en-US" dirty="0" err="1"/>
+              <a:t>nstruction</a:t>
+            </a:r>
+            <a:r>
+              <a:rPr lang="en-US" dirty="0"/>
+              <a:t> on access to MosMedData </a:t>
+            </a:r>
+            <a:r>
+              <a:rPr lang="ru-RU" dirty="0"/>
+              <a:t>КТ с признаками лимфаденопатии тип </a:t>
+            </a:r>
+            <a:r>
+              <a:rPr lang="en-US" dirty="0"/>
+              <a:t>III</a:t>
+            </a:r>
+            <a:endParaRPr lang="ru-RU" dirty="0"/>
+          </a:p>
+          <a:p>
+            <a:r>
+              <a:rPr lang="ru-RU" dirty="0" err="1"/>
+              <a:t>Instruction</a:t>
+            </a:r>
+            <a:r>
+              <a:rPr lang="ru-RU" dirty="0"/>
+              <a:t> </a:t>
+            </a:r>
+            <a:r>
+              <a:rPr lang="ru-RU" dirty="0" err="1"/>
+              <a:t>on</a:t>
+            </a:r>
+            <a:r>
+              <a:rPr lang="ru-RU" dirty="0"/>
+              <a:t> </a:t>
+            </a:r>
+            <a:r>
+              <a:rPr lang="ru-RU" dirty="0" err="1"/>
+              <a:t>access</a:t>
+            </a:r>
+            <a:r>
+              <a:rPr lang="ru-RU" dirty="0"/>
+              <a:t> </a:t>
+            </a:r>
+            <a:r>
+              <a:rPr lang="ru-RU" dirty="0" err="1"/>
+              <a:t>to</a:t>
+            </a:r>
+            <a:r>
+              <a:rPr lang="ru-RU" dirty="0"/>
+              <a:t> </a:t>
+            </a:r>
+            <a:r>
+              <a:rPr lang="ru-RU" dirty="0" err="1"/>
+              <a:t>MosMedData</a:t>
+            </a:r>
+            <a:r>
+              <a:rPr lang="ru-RU" dirty="0"/>
+              <a:t> РГ грудной полости с наличием и отсутствием признаков пневмонии тип III</a:t>
+            </a:r>
+          </a:p>
+          <a:p>
+            <a:r>
+              <a:rPr lang="en-US" dirty="0"/>
+              <a:t>Instruction on access to MosMedData </a:t>
+            </a:r>
+            <a:r>
+              <a:rPr lang="ru-RU" dirty="0"/>
+              <a:t>КТ с признаками коронавирусной инфекции (</a:t>
+            </a:r>
+            <a:r>
+              <a:rPr lang="en-US" dirty="0"/>
+              <a:t>COVID-19) </a:t>
+            </a:r>
+            <a:r>
+              <a:rPr lang="ru-RU" dirty="0"/>
+              <a:t>тип </a:t>
+            </a:r>
+            <a:r>
+              <a:rPr lang="en-US" dirty="0"/>
+              <a:t>I</a:t>
+            </a:r>
+            <a:endParaRPr lang="ru-RU" dirty="0"/>
+          </a:p>
+        </p:txBody>
+      </p:sp>
+      <p:pic>
+        <p:nvPicPr>
+          <p:cNvPr id="14" name="Рисунок 13">
+            <a:extLst>
+              <a:ext uri="{FF2B5EF4-FFF2-40B4-BE49-F238E27FC236}">
+                <a16:creationId xmlns:a16="http://schemas.microsoft.com/office/drawing/2014/main" id="{8536102C-A850-7BD9-5D3C-0B02586B3A86}"/>
+              </a:ext>
+            </a:extLst>
+          </p:cNvPr>
+          <p:cNvPicPr>
+            <a:picLocks noChangeAspect="1"/>
+          </p:cNvPicPr>
+          <p:nvPr/>
+        </p:nvPicPr>
+        <p:blipFill>
+          <a:blip r:embed="rId2">
+            <a:extLst>
+              <a:ext uri="{28A0092B-C50C-407E-A947-70E740481C1C}">
+                <a14:useLocalDpi xmlns:a14="http://schemas.microsoft.com/office/drawing/2010/main" val="0"/>
+              </a:ext>
+            </a:extLst>
+          </a:blip>
+          <a:stretch>
+            <a:fillRect/>
+          </a:stretch>
+        </p:blipFill>
+        <p:spPr>
+          <a:xfrm>
+            <a:off x="498475" y="996948"/>
+            <a:ext cx="4921748" cy="2673351"/>
+          </a:xfrm>
+          <a:prstGeom prst="rect">
+            <a:avLst/>
+          </a:prstGeom>
+        </p:spPr>
+      </p:pic>
+      <p:pic>
+        <p:nvPicPr>
+          <p:cNvPr id="16" name="Рисунок 15">
+            <a:extLst>
+              <a:ext uri="{FF2B5EF4-FFF2-40B4-BE49-F238E27FC236}">
+                <a16:creationId xmlns:a16="http://schemas.microsoft.com/office/drawing/2014/main" id="{EB6DD2B1-C95F-82CD-C304-AA13D44D8E00}"/>
+              </a:ext>
+            </a:extLst>
+          </p:cNvPr>
+          <p:cNvPicPr>
+            <a:picLocks noChangeAspect="1"/>
+          </p:cNvPicPr>
+          <p:nvPr/>
+        </p:nvPicPr>
+        <p:blipFill>
+          <a:blip r:embed="rId3">
+            <a:extLst>
+              <a:ext uri="{28A0092B-C50C-407E-A947-70E740481C1C}">
+                <a14:useLocalDpi xmlns:a14="http://schemas.microsoft.com/office/drawing/2010/main" val="0"/>
+              </a:ext>
+            </a:extLst>
+          </a:blip>
+          <a:stretch>
+            <a:fillRect/>
+          </a:stretch>
+        </p:blipFill>
+        <p:spPr>
+          <a:xfrm>
+            <a:off x="498475" y="3908796"/>
+            <a:ext cx="4938259" cy="2733958"/>
+          </a:xfrm>
+          <a:prstGeom prst="rect">
+            <a:avLst/>
+          </a:prstGeom>
+        </p:spPr>
+      </p:pic>
+    </p:spTree>
+    <p:extLst>
+      <p:ext uri="{BB962C8B-B14F-4D97-AF65-F5344CB8AC3E}">
+        <p14:creationId xmlns:p14="http://schemas.microsoft.com/office/powerpoint/2010/main" val="271474104"/>
+      </p:ext>
+    </p:extLst>
+  </p:cSld>
+  <p:clrMapOvr>
+    <a:masterClrMapping/>
+  </p:clrMapOvr>
+</p:sld>
+</file>
+
+<file path=ppt/slides/slide7.xml><?xml version="1.0" encoding="utf-8"?>
+<p:sld xmlns:a="http://schemas.openxmlformats.org/drawingml/2006/main" xmlns:r="http://schemas.openxmlformats.org/officeDocument/2006/relationships" xmlns:p="http://schemas.openxmlformats.org/presentationml/2006/main">
+  <p:cSld>
+    <p:spTree>
+      <p:nvGrpSpPr>
+        <p:cNvPr id="1" name=""/>
+        <p:cNvGrpSpPr/>
+        <p:nvPr/>
+      </p:nvGrpSpPr>
+      <p:grpSpPr>
+        <a:xfrm>
+          <a:off x="0" y="0"/>
+          <a:ext cx="0" cy="0"/>
+          <a:chOff x="0" y="0"/>
+          <a:chExt cx="0" cy="0"/>
+        </a:xfrm>
+      </p:grpSpPr>
+      <p:sp>
+        <p:nvSpPr>
+          <p:cNvPr id="11" name="Номер слайда 10">
+            <a:extLst>
+              <a:ext uri="{FF2B5EF4-FFF2-40B4-BE49-F238E27FC236}">
+                <a16:creationId xmlns:a16="http://schemas.microsoft.com/office/drawing/2014/main" id="{2D779828-50AA-424E-9D75-E4AA39DF206B}"/>
+              </a:ext>
+            </a:extLst>
+          </p:cNvPr>
+          <p:cNvSpPr>
+            <a:spLocks noGrp="1"/>
+          </p:cNvSpPr>
+          <p:nvPr>
+            <p:ph type="sldNum" sz="quarter" idx="4"/>
+          </p:nvPr>
+        </p:nvSpPr>
+        <p:spPr/>
+        <p:txBody>
+          <a:bodyPr/>
+          <a:lstStyle/>
+          <a:p>
+            <a:fld id="{52DCC5B9-D646-4B76-891F-6FF4E74E9CB4}" type="slidenum">
+              <a:rPr lang="ru-RU" smtClean="0"/>
+              <a:pPr/>
+              <a:t>7</a:t>
+            </a:fld>
+            <a:endParaRPr lang="ru-RU" dirty="0"/>
+          </a:p>
+        </p:txBody>
+      </p:sp>
+      <p:sp>
+        <p:nvSpPr>
+          <p:cNvPr id="2" name="Заголовок 1">
+            <a:extLst>
+              <a:ext uri="{FF2B5EF4-FFF2-40B4-BE49-F238E27FC236}">
+                <a16:creationId xmlns:a16="http://schemas.microsoft.com/office/drawing/2014/main" id="{890CC5C3-71A4-4EDD-A431-AD56DBD6076E}"/>
+              </a:ext>
+            </a:extLst>
+          </p:cNvPr>
+          <p:cNvSpPr>
+            <a:spLocks noGrp="1"/>
+          </p:cNvSpPr>
+          <p:nvPr>
+            <p:ph type="title"/>
+          </p:nvPr>
+        </p:nvSpPr>
+        <p:spPr>
+          <a:xfrm>
+            <a:off x="346075" y="383375"/>
+            <a:ext cx="9862734" cy="376138"/>
+          </a:xfrm>
+        </p:spPr>
+        <p:txBody>
+          <a:bodyPr/>
+          <a:lstStyle/>
+          <a:p>
+            <a:r>
+              <a:rPr lang="ru-RU" dirty="0"/>
+              <a:t>КОМАНДА «</a:t>
+            </a:r>
+            <a:r>
+              <a:rPr lang="en-US" dirty="0"/>
+              <a:t>CADAI</a:t>
+            </a:r>
+            <a:r>
+              <a:rPr lang="ru-RU" dirty="0"/>
+              <a:t>»</a:t>
+            </a:r>
+            <a:endParaRPr lang="ru-RU" dirty="0">
+              <a:latin typeface="+mn-lt"/>
+            </a:endParaRPr>
+          </a:p>
+        </p:txBody>
+      </p:sp>
+      <p:sp>
+        <p:nvSpPr>
+          <p:cNvPr id="3" name="Текст 2">
+            <a:extLst>
+              <a:ext uri="{FF2B5EF4-FFF2-40B4-BE49-F238E27FC236}">
+                <a16:creationId xmlns:a16="http://schemas.microsoft.com/office/drawing/2014/main" id="{C80582B6-28AC-45F4-BD2D-467E652DBD37}"/>
+              </a:ext>
+            </a:extLst>
+          </p:cNvPr>
+          <p:cNvSpPr>
+            <a:spLocks noGrp="1"/>
+          </p:cNvSpPr>
+          <p:nvPr>
+            <p:ph type="body" sz="quarter" idx="21"/>
+          </p:nvPr>
+        </p:nvSpPr>
+        <p:spPr>
+          <a:xfrm>
+            <a:off x="6755267" y="1343263"/>
+            <a:ext cx="4790314" cy="1021701"/>
+          </a:xfrm>
+          <a:prstGeom prst="roundRect">
+            <a:avLst>
+              <a:gd name="adj" fmla="val 0"/>
+            </a:avLst>
+          </a:prstGeom>
+          <a:noFill/>
+        </p:spPr>
+        <p:txBody>
+          <a:bodyPr/>
+          <a:lstStyle/>
+          <a:p>
+            <a:pPr marL="0" indent="0">
+              <a:buNone/>
+            </a:pPr>
+            <a:r>
+              <a:rPr lang="ru-RU" b="0" dirty="0">
+                <a:solidFill>
+                  <a:schemeClr val="bg1"/>
+                </a:solidFill>
+              </a:rPr>
+              <a:t>ИНС определения патологий</a:t>
+            </a:r>
+          </a:p>
+        </p:txBody>
+      </p:sp>
+      <p:sp>
+        <p:nvSpPr>
+          <p:cNvPr id="4" name="Текст 3">
+            <a:extLst>
+              <a:ext uri="{FF2B5EF4-FFF2-40B4-BE49-F238E27FC236}">
+                <a16:creationId xmlns:a16="http://schemas.microsoft.com/office/drawing/2014/main" id="{AF82DF7C-A3AD-43CF-A10D-0B36529054B5}"/>
+              </a:ext>
+            </a:extLst>
+          </p:cNvPr>
+          <p:cNvSpPr>
+            <a:spLocks noGrp="1"/>
+          </p:cNvSpPr>
+          <p:nvPr>
+            <p:ph type="body" sz="quarter" idx="18"/>
+          </p:nvPr>
+        </p:nvSpPr>
+        <p:spPr>
+          <a:xfrm>
+            <a:off x="6755267" y="1722800"/>
+            <a:ext cx="4790314" cy="642164"/>
+          </a:xfrm>
+        </p:spPr>
+        <p:txBody>
+          <a:bodyPr/>
+          <a:lstStyle/>
+          <a:p>
+            <a:r>
+              <a:rPr lang="ru-RU" dirty="0"/>
+              <a:t>Основа - </a:t>
+            </a:r>
+            <a:r>
+              <a:rPr lang="en-US" dirty="0"/>
+              <a:t>densenet121</a:t>
+            </a:r>
+          </a:p>
+        </p:txBody>
+      </p:sp>
+      <p:sp>
+        <p:nvSpPr>
+          <p:cNvPr id="5" name="Текст 4">
+            <a:extLst>
+              <a:ext uri="{FF2B5EF4-FFF2-40B4-BE49-F238E27FC236}">
+                <a16:creationId xmlns:a16="http://schemas.microsoft.com/office/drawing/2014/main" id="{7958F12B-018B-418A-A49D-1D36B842AE9F}"/>
+              </a:ext>
+            </a:extLst>
+          </p:cNvPr>
+          <p:cNvSpPr>
+            <a:spLocks noGrp="1"/>
+          </p:cNvSpPr>
+          <p:nvPr>
+            <p:ph type="body" sz="quarter" idx="22"/>
+          </p:nvPr>
+        </p:nvSpPr>
+        <p:spPr>
+          <a:xfrm>
+            <a:off x="6755267" y="2611824"/>
+            <a:ext cx="4790314" cy="1021701"/>
+          </a:xfrm>
+          <a:prstGeom prst="roundRect">
+            <a:avLst>
+              <a:gd name="adj" fmla="val 0"/>
+            </a:avLst>
+          </a:prstGeom>
+          <a:noFill/>
+        </p:spPr>
+        <p:txBody>
+          <a:bodyPr/>
+          <a:lstStyle/>
+          <a:p>
+            <a:pPr marL="0" indent="0">
+              <a:buNone/>
+            </a:pPr>
+            <a:r>
+              <a:rPr lang="ru-RU" b="0" dirty="0">
+                <a:solidFill>
+                  <a:schemeClr val="accent2"/>
+                </a:solidFill>
+              </a:rPr>
+              <a:t>Датасет для обучения</a:t>
+            </a:r>
+          </a:p>
+        </p:txBody>
+      </p:sp>
+      <p:sp>
+        <p:nvSpPr>
+          <p:cNvPr id="6" name="Текст 5">
+            <a:extLst>
+              <a:ext uri="{FF2B5EF4-FFF2-40B4-BE49-F238E27FC236}">
+                <a16:creationId xmlns:a16="http://schemas.microsoft.com/office/drawing/2014/main" id="{57CEBFD9-BA50-4FE2-AEDF-186C2F4D3DAC}"/>
+              </a:ext>
+            </a:extLst>
+          </p:cNvPr>
+          <p:cNvSpPr>
+            <a:spLocks noGrp="1"/>
+          </p:cNvSpPr>
+          <p:nvPr>
+            <p:ph type="body" sz="quarter" idx="23"/>
+          </p:nvPr>
+        </p:nvSpPr>
+        <p:spPr>
+          <a:xfrm>
+            <a:off x="6755267" y="2991361"/>
+            <a:ext cx="4790314" cy="642164"/>
+          </a:xfrm>
+        </p:spPr>
+        <p:txBody>
+          <a:bodyPr/>
+          <a:lstStyle/>
+          <a:p>
+            <a:r>
+              <a:rPr lang="en-US" dirty="0" err="1">
+                <a:hlinkClick r:id="rId2">
+                  <a:extLst>
+                    <a:ext uri="{A12FA001-AC4F-418D-AE19-62706E023703}">
+                      <ahyp:hlinkClr xmlns:ahyp="http://schemas.microsoft.com/office/drawing/2018/hyperlinkcolor" val="tx"/>
+                    </a:ext>
+                  </a:extLst>
+                </a:hlinkClick>
+              </a:rPr>
+              <a:t>COVIDx</a:t>
+            </a:r>
+            <a:r>
+              <a:rPr lang="en-US" dirty="0">
+                <a:hlinkClick r:id="rId2">
+                  <a:extLst>
+                    <a:ext uri="{A12FA001-AC4F-418D-AE19-62706E023703}">
+                      <ahyp:hlinkClr xmlns:ahyp="http://schemas.microsoft.com/office/drawing/2018/hyperlinkcolor" val="tx"/>
+                    </a:ext>
+                  </a:extLst>
+                </a:hlinkClick>
+              </a:rPr>
+              <a:t> CT</a:t>
+            </a:r>
+            <a:endParaRPr lang="en-US" dirty="0"/>
+          </a:p>
+          <a:p>
+            <a:pPr marL="0" indent="0">
+              <a:buNone/>
+            </a:pPr>
+            <a:endParaRPr lang="ru-RU" dirty="0"/>
+          </a:p>
+        </p:txBody>
+      </p:sp>
+      <p:pic>
+        <p:nvPicPr>
+          <p:cNvPr id="15" name="Рисунок 14">
+            <a:extLst>
+              <a:ext uri="{FF2B5EF4-FFF2-40B4-BE49-F238E27FC236}">
+                <a16:creationId xmlns:a16="http://schemas.microsoft.com/office/drawing/2014/main" id="{28573BF6-DA3E-FD88-BCC1-C5199F21159A}"/>
+              </a:ext>
+            </a:extLst>
+          </p:cNvPr>
+          <p:cNvPicPr>
+            <a:picLocks noChangeAspect="1"/>
+          </p:cNvPicPr>
+          <p:nvPr/>
+        </p:nvPicPr>
+        <p:blipFill>
+          <a:blip r:embed="rId3">
+            <a:extLst>
+              <a:ext uri="{28A0092B-C50C-407E-A947-70E740481C1C}">
+                <a14:useLocalDpi xmlns:a14="http://schemas.microsoft.com/office/drawing/2010/main" val="0"/>
+              </a:ext>
+            </a:extLst>
+          </a:blip>
+          <a:stretch>
+            <a:fillRect/>
+          </a:stretch>
+        </p:blipFill>
+        <p:spPr>
+          <a:xfrm>
+            <a:off x="346075" y="1060985"/>
+            <a:ext cx="4532501" cy="2719500"/>
+          </a:xfrm>
+          <a:prstGeom prst="rect">
+            <a:avLst/>
+          </a:prstGeom>
+        </p:spPr>
+      </p:pic>
+      <p:pic>
+        <p:nvPicPr>
+          <p:cNvPr id="17" name="Рисунок 16">
+            <a:extLst>
+              <a:ext uri="{FF2B5EF4-FFF2-40B4-BE49-F238E27FC236}">
+                <a16:creationId xmlns:a16="http://schemas.microsoft.com/office/drawing/2014/main" id="{B84FA3AA-73FC-F40B-1688-C87070B1F2EC}"/>
+              </a:ext>
+            </a:extLst>
+          </p:cNvPr>
+          <p:cNvPicPr>
+            <a:picLocks noChangeAspect="1"/>
+          </p:cNvPicPr>
+          <p:nvPr/>
+        </p:nvPicPr>
+        <p:blipFill>
+          <a:blip r:embed="rId4">
+            <a:extLst>
+              <a:ext uri="{28A0092B-C50C-407E-A947-70E740481C1C}">
+                <a14:useLocalDpi xmlns:a14="http://schemas.microsoft.com/office/drawing/2010/main" val="0"/>
+              </a:ext>
+            </a:extLst>
+          </a:blip>
+          <a:stretch>
+            <a:fillRect/>
+          </a:stretch>
+        </p:blipFill>
+        <p:spPr>
+          <a:xfrm>
+            <a:off x="346076" y="3876264"/>
+            <a:ext cx="4532500" cy="2719500"/>
+          </a:xfrm>
+          <a:prstGeom prst="rect">
+            <a:avLst/>
+          </a:prstGeom>
+        </p:spPr>
+      </p:pic>
+    </p:spTree>
+    <p:extLst>
+      <p:ext uri="{BB962C8B-B14F-4D97-AF65-F5344CB8AC3E}">
+        <p14:creationId xmlns:p14="http://schemas.microsoft.com/office/powerpoint/2010/main" val="69865195"/>
+      </p:ext>
+    </p:extLst>
+  </p:cSld>
+  <p:clrMapOvr>
+    <a:masterClrMapping/>
+  </p:clrMapOvr>
+</p:sld>
+</file>
+
+<file path=ppt/slides/slide8.xml><?xml version="1.0" encoding="utf-8"?>
+<p:sld xmlns:a="http://schemas.openxmlformats.org/drawingml/2006/main" xmlns:r="http://schemas.openxmlformats.org/officeDocument/2006/relationships" xmlns:p="http://schemas.openxmlformats.org/presentationml/2006/main">
+  <p:cSld>
+    <p:spTree>
+      <p:nvGrpSpPr>
+        <p:cNvPr id="1" name=""/>
+        <p:cNvGrpSpPr/>
+        <p:nvPr/>
+      </p:nvGrpSpPr>
+      <p:grpSpPr>
+        <a:xfrm>
+          <a:off x="0" y="0"/>
+          <a:ext cx="0" cy="0"/>
+          <a:chOff x="0" y="0"/>
+          <a:chExt cx="0" cy="0"/>
+        </a:xfrm>
+      </p:grpSpPr>
+      <p:sp>
+        <p:nvSpPr>
+          <p:cNvPr id="2" name="Заголовок 2">
+            <a:extLst>
+              <a:ext uri="{FF2B5EF4-FFF2-40B4-BE49-F238E27FC236}">
+                <a16:creationId xmlns:a16="http://schemas.microsoft.com/office/drawing/2014/main" id="{8F87EA2D-692C-1FC1-0EF5-9E52407FCF37}"/>
+              </a:ext>
+            </a:extLst>
+          </p:cNvPr>
+          <p:cNvSpPr txBox="1">
+            <a:spLocks/>
+          </p:cNvSpPr>
+          <p:nvPr/>
+        </p:nvSpPr>
+        <p:spPr>
+          <a:xfrm>
+            <a:off x="1630679" y="3015494"/>
+            <a:ext cx="8930641" cy="827011"/>
+          </a:xfrm>
+          <a:prstGeom prst="rect">
+            <a:avLst/>
+          </a:prstGeom>
+        </p:spPr>
+        <p:txBody>
+          <a:bodyPr/>
+          <a:lstStyle>
+            <a:lvl1pPr algn="l" defTabSz="578755" rtl="0" eaLnBrk="1" latinLnBrk="0" hangingPunct="1">
+              <a:lnSpc>
+                <a:spcPct val="90000"/>
+              </a:lnSpc>
+              <a:spcBef>
+                <a:spcPct val="0"/>
+              </a:spcBef>
+              <a:buNone/>
+              <a:defRPr sz="1997" b="1" kern="1200">
+                <a:solidFill>
+                  <a:schemeClr val="bg1">
+                    <a:lumMod val="95000"/>
+                  </a:schemeClr>
+                </a:solidFill>
+                <a:latin typeface="+mj-lt"/>
+                <a:ea typeface="+mj-ea"/>
+                <a:cs typeface="Amatic SC" panose="00000500000000000000" pitchFamily="2" charset="-79"/>
+              </a:defRPr>
+            </a:lvl1pPr>
+          </a:lstStyle>
+          <a:p>
+            <a:pPr algn="ctr"/>
+            <a:r>
+              <a:rPr lang="ru-RU" sz="5400" dirty="0"/>
+              <a:t>Спасибо за внимание!</a:t>
+            </a:r>
+          </a:p>
+        </p:txBody>
+      </p:sp>
+    </p:spTree>
+    <p:extLst>
+      <p:ext uri="{BB962C8B-B14F-4D97-AF65-F5344CB8AC3E}">
+        <p14:creationId xmlns:p14="http://schemas.microsoft.com/office/powerpoint/2010/main" val="3964352630"/>
       </p:ext>
     </p:extLst>
   </p:cSld>
